--- a/Хакатон «Шаг в карьеру.pptx
+++ b/Хакатон «Шаг в карьеру.pptx
@@ -11,6 +11,7 @@
     <p:sldId id="258" r:id="rId5"/>
     <p:sldId id="259" r:id="rId6"/>
     <p:sldId id="260" r:id="rId7"/>
+    <p:sldId id="263" r:id="rId8"/>
   </p:sldIdLst>
   <p:sldSz cx="12192000" cy="6858000"/>
   <p:notesSz cx="6858000" cy="9144000"/>
@@ -109,6 +110,11 @@
       </a:defRPr>
     </a:lvl9pPr>
   </p:defaultTextStyle>
+  <p:extLst>
+    <p:ext uri="{EFAFB233-063F-42B5-8137-9DF3F51BA10A}">
+      <p15:sldGuideLst xmlns:p15="http://schemas.microsoft.com/office/powerpoint/2012/main"/>
+    </p:ext>
+  </p:extLst>
 </p:presentation>
 </file>
 
@@ -3485,12 +3491,14 @@
         </p:nvSpPr>
         <p:spPr>
           <a:xfrm>
-            <a:off x="838200" y="1825625"/>
+            <a:off x="1295400" y="1690688"/>
             <a:ext cx="3003884" cy="564649"/>
           </a:xfrm>
         </p:spPr>
         <p:txBody>
-          <a:bodyPr/>
+          <a:bodyPr>
+            <a:normAutofit fontScale="85000" lnSpcReduction="10000"/>
+          </a:bodyPr>
           <a:lstStyle/>
           <a:p>
             <a:pPr marL="0" indent="0">
@@ -3498,7 +3506,7 @@
             </a:pPr>
             <a:r>
               <a:rPr lang="en-US" dirty="0"/>
-              <a:t>Data preprocessing</a:t>
+              <a:t>1. Data preprocessing</a:t>
             </a:r>
             <a:endParaRPr lang="ru-RU" dirty="0"/>
           </a:p>
@@ -3520,8 +3528,8 @@
         </p:nvSpPr>
         <p:spPr>
           <a:xfrm>
-            <a:off x="1977189" y="2788151"/>
-            <a:ext cx="3003884" cy="564649"/>
+            <a:off x="3645568" y="2331619"/>
+            <a:ext cx="2378242" cy="564649"/>
           </a:xfrm>
           <a:prstGeom prst="rect">
             <a:avLst/>
@@ -3529,7 +3537,7 @@
         </p:spPr>
         <p:txBody>
           <a:bodyPr vert="horz" lIns="91440" tIns="45720" rIns="91440" bIns="45720" rtlCol="0">
-            <a:normAutofit/>
+            <a:normAutofit fontScale="85000" lnSpcReduction="10000"/>
           </a:bodyPr>
           <a:lstStyle>
             <a:lvl1pPr marL="228600" indent="-228600" algn="l" defTabSz="914400" rtl="0" eaLnBrk="1" latinLnBrk="0" hangingPunct="1">
@@ -3702,7 +3710,7 @@
             </a:pPr>
             <a:r>
               <a:rPr lang="en-US" dirty="0"/>
-              <a:t>Topic modeling</a:t>
+              <a:t>2. Topic modeling</a:t>
             </a:r>
             <a:endParaRPr lang="ru-RU" dirty="0"/>
           </a:p>
@@ -3724,8 +3732,8 @@
         </p:nvSpPr>
         <p:spPr>
           <a:xfrm>
-            <a:off x="3479131" y="3750677"/>
-            <a:ext cx="3003884" cy="564649"/>
+            <a:off x="5315952" y="3051091"/>
+            <a:ext cx="2472490" cy="564649"/>
           </a:xfrm>
           <a:prstGeom prst="rect">
             <a:avLst/>
@@ -3733,7 +3741,7 @@
         </p:spPr>
         <p:txBody>
           <a:bodyPr vert="horz" lIns="91440" tIns="45720" rIns="91440" bIns="45720" rtlCol="0">
-            <a:normAutofit/>
+            <a:normAutofit fontScale="85000" lnSpcReduction="10000"/>
           </a:bodyPr>
           <a:lstStyle>
             <a:lvl1pPr marL="228600" indent="-228600" algn="l" defTabSz="914400" rtl="0" eaLnBrk="1" latinLnBrk="0" hangingPunct="1">
@@ -3906,7 +3914,7 @@
             </a:pPr>
             <a:r>
               <a:rPr lang="en-US" dirty="0"/>
-              <a:t>Text generation</a:t>
+              <a:t>3. Text generation</a:t>
             </a:r>
             <a:endParaRPr lang="ru-RU" dirty="0"/>
           </a:p>
@@ -3928,7 +3936,7 @@
         </p:nvSpPr>
         <p:spPr>
           <a:xfrm>
-            <a:off x="5396162" y="4624972"/>
+            <a:off x="7200898" y="3856372"/>
             <a:ext cx="3003884" cy="564649"/>
           </a:xfrm>
           <a:prstGeom prst="rect">
@@ -3937,7 +3945,7 @@
         </p:spPr>
         <p:txBody>
           <a:bodyPr vert="horz" lIns="91440" tIns="45720" rIns="91440" bIns="45720" rtlCol="0">
-            <a:normAutofit/>
+            <a:normAutofit fontScale="85000" lnSpcReduction="10000"/>
           </a:bodyPr>
           <a:lstStyle>
             <a:lvl1pPr marL="228600" indent="-228600" algn="l" defTabSz="914400" rtl="0" eaLnBrk="1" latinLnBrk="0" hangingPunct="1">
@@ -4110,12 +4118,140 @@
             </a:pPr>
             <a:r>
               <a:rPr lang="en-US" dirty="0"/>
-              <a:t>Cloud visualization</a:t>
+              <a:t>4. Cloud visualization</a:t>
             </a:r>
             <a:endParaRPr lang="ru-RU" dirty="0"/>
           </a:p>
         </p:txBody>
       </p:sp>
+      <p:cxnSp>
+        <p:nvCxnSpPr>
+          <p:cNvPr id="8" name="Соединитель: изогнутый 7">
+            <a:extLst>
+              <a:ext uri="{FF2B5EF4-FFF2-40B4-BE49-F238E27FC236}">
+                <a16:creationId xmlns:a16="http://schemas.microsoft.com/office/drawing/2014/main" id="{71D21D39-A3CD-2658-5939-89F2ADB80C51}"/>
+              </a:ext>
+            </a:extLst>
+          </p:cNvPr>
+          <p:cNvCxnSpPr>
+            <a:cxnSpLocks/>
+            <a:stCxn id="3" idx="3"/>
+            <a:endCxn id="4" idx="0"/>
+          </p:cNvCxnSpPr>
+          <p:nvPr/>
+        </p:nvCxnSpPr>
+        <p:spPr>
+          <a:xfrm>
+            <a:off x="4299284" y="1973013"/>
+            <a:ext cx="535405" cy="358606"/>
+          </a:xfrm>
+          <a:prstGeom prst="curvedConnector2">
+            <a:avLst/>
+          </a:prstGeom>
+          <a:ln>
+            <a:tailEnd type="triangle"/>
+          </a:ln>
+        </p:spPr>
+        <p:style>
+          <a:lnRef idx="1">
+            <a:schemeClr val="accent1"/>
+          </a:lnRef>
+          <a:fillRef idx="0">
+            <a:schemeClr val="accent1"/>
+          </a:fillRef>
+          <a:effectRef idx="0">
+            <a:schemeClr val="accent1"/>
+          </a:effectRef>
+          <a:fontRef idx="minor">
+            <a:schemeClr val="tx1"/>
+          </a:fontRef>
+        </p:style>
+      </p:cxnSp>
+      <p:cxnSp>
+        <p:nvCxnSpPr>
+          <p:cNvPr id="10" name="Соединитель: изогнутый 9">
+            <a:extLst>
+              <a:ext uri="{FF2B5EF4-FFF2-40B4-BE49-F238E27FC236}">
+                <a16:creationId xmlns:a16="http://schemas.microsoft.com/office/drawing/2014/main" id="{85123F68-1718-7574-BA13-BF57EE0E7F8C}"/>
+              </a:ext>
+            </a:extLst>
+          </p:cNvPr>
+          <p:cNvCxnSpPr>
+            <a:cxnSpLocks/>
+            <a:stCxn id="4" idx="3"/>
+            <a:endCxn id="5" idx="0"/>
+          </p:cNvCxnSpPr>
+          <p:nvPr/>
+        </p:nvCxnSpPr>
+        <p:spPr>
+          <a:xfrm>
+            <a:off x="6023810" y="2613944"/>
+            <a:ext cx="528387" cy="437147"/>
+          </a:xfrm>
+          <a:prstGeom prst="curvedConnector2">
+            <a:avLst/>
+          </a:prstGeom>
+          <a:ln>
+            <a:tailEnd type="triangle"/>
+          </a:ln>
+        </p:spPr>
+        <p:style>
+          <a:lnRef idx="1">
+            <a:schemeClr val="accent1"/>
+          </a:lnRef>
+          <a:fillRef idx="0">
+            <a:schemeClr val="accent1"/>
+          </a:fillRef>
+          <a:effectRef idx="0">
+            <a:schemeClr val="accent1"/>
+          </a:effectRef>
+          <a:fontRef idx="minor">
+            <a:schemeClr val="tx1"/>
+          </a:fontRef>
+        </p:style>
+      </p:cxnSp>
+      <p:cxnSp>
+        <p:nvCxnSpPr>
+          <p:cNvPr id="23" name="Соединитель: изогнутый 22">
+            <a:extLst>
+              <a:ext uri="{FF2B5EF4-FFF2-40B4-BE49-F238E27FC236}">
+                <a16:creationId xmlns:a16="http://schemas.microsoft.com/office/drawing/2014/main" id="{100E1433-5F1F-4346-4B21-3A2F3E18BF55}"/>
+              </a:ext>
+            </a:extLst>
+          </p:cNvPr>
+          <p:cNvCxnSpPr>
+            <a:stCxn id="5" idx="3"/>
+            <a:endCxn id="6" idx="0"/>
+          </p:cNvCxnSpPr>
+          <p:nvPr/>
+        </p:nvCxnSpPr>
+        <p:spPr>
+          <a:xfrm>
+            <a:off x="7788442" y="3333416"/>
+            <a:ext cx="914398" cy="522956"/>
+          </a:xfrm>
+          <a:prstGeom prst="curvedConnector2">
+            <a:avLst/>
+          </a:prstGeom>
+          <a:ln>
+            <a:tailEnd type="triangle"/>
+          </a:ln>
+        </p:spPr>
+        <p:style>
+          <a:lnRef idx="1">
+            <a:schemeClr val="accent1"/>
+          </a:lnRef>
+          <a:fillRef idx="0">
+            <a:schemeClr val="accent1"/>
+          </a:fillRef>
+          <a:effectRef idx="0">
+            <a:schemeClr val="accent1"/>
+          </a:effectRef>
+          <a:fontRef idx="minor">
+            <a:schemeClr val="tx1"/>
+          </a:fontRef>
+        </p:style>
+      </p:cxnSp>
     </p:spTree>
     <p:extLst>
       <p:ext uri="{BB962C8B-B14F-4D97-AF65-F5344CB8AC3E}">
@@ -4271,7 +4407,7 @@
             </a:pPr>
             <a:r>
               <a:rPr lang="ru-RU" dirty="0" err="1"/>
-              <a:t>Лемматизаци</a:t>
+              <a:t>Лемматизация</a:t>
             </a:r>
             <a:r>
               <a:rPr lang="ru-RU" dirty="0"/>
@@ -4505,8 +4641,8 @@
         </p:nvSpPr>
         <p:spPr>
           <a:xfrm>
-            <a:off x="838200" y="1825625"/>
-            <a:ext cx="10515600" cy="3853280"/>
+            <a:off x="838200" y="1690689"/>
+            <a:ext cx="10515600" cy="3306428"/>
           </a:xfrm>
         </p:spPr>
         <p:txBody>
@@ -4528,7 +4664,7 @@
             </a:r>
             <a:r>
               <a:rPr lang="ru-RU" sz="2400" dirty="0"/>
-              <a:t>и любая другая модель кластеризации возвращают набор слов или фраз для определенного кластера.</a:t>
+              <a:t>и многие другие модели кластеризации возвращают набор слов или фраз для определенного кластера.</a:t>
             </a:r>
           </a:p>
           <a:p>
@@ -4586,7 +4722,7 @@
         </p:nvSpPr>
         <p:spPr>
           <a:xfrm>
-            <a:off x="838200" y="5598694"/>
+            <a:off x="838200" y="5043152"/>
             <a:ext cx="10599821" cy="770021"/>
           </a:xfrm>
           <a:prstGeom prst="rect">
@@ -4787,6 +4923,225 @@
               <a:t>.</a:t>
             </a:r>
             <a:endParaRPr lang="ru-RU" sz="2400" b="1" dirty="0"/>
+          </a:p>
+        </p:txBody>
+      </p:sp>
+      <p:sp>
+        <p:nvSpPr>
+          <p:cNvPr id="5" name="Объект 2">
+            <a:extLst>
+              <a:ext uri="{FF2B5EF4-FFF2-40B4-BE49-F238E27FC236}">
+                <a16:creationId xmlns:a16="http://schemas.microsoft.com/office/drawing/2014/main" id="{3005CDF1-029D-5A1F-9E9C-3FF3C138EAEF}"/>
+              </a:ext>
+            </a:extLst>
+          </p:cNvPr>
+          <p:cNvSpPr txBox="1">
+            <a:spLocks/>
+          </p:cNvSpPr>
+          <p:nvPr/>
+        </p:nvSpPr>
+        <p:spPr>
+          <a:xfrm>
+            <a:off x="838200" y="5991726"/>
+            <a:ext cx="10599821" cy="591468"/>
+          </a:xfrm>
+          <a:prstGeom prst="rect">
+            <a:avLst/>
+          </a:prstGeom>
+        </p:spPr>
+        <p:txBody>
+          <a:bodyPr vert="horz" lIns="91440" tIns="45720" rIns="91440" bIns="45720" rtlCol="0">
+            <a:normAutofit fontScale="62500" lnSpcReduction="20000"/>
+          </a:bodyPr>
+          <a:lstStyle>
+            <a:lvl1pPr marL="228600" indent="-228600" algn="l" defTabSz="914400" rtl="0" eaLnBrk="1" latinLnBrk="0" hangingPunct="1">
+              <a:lnSpc>
+                <a:spcPct val="90000"/>
+              </a:lnSpc>
+              <a:spcBef>
+                <a:spcPts val="1000"/>
+              </a:spcBef>
+              <a:buFont typeface="Arial" panose="020B0604020202020204" pitchFamily="34" charset="0"/>
+              <a:buChar char="•"/>
+              <a:defRPr sz="2800" kern="1200">
+                <a:solidFill>
+                  <a:schemeClr val="tx1"/>
+                </a:solidFill>
+                <a:latin typeface="+mn-lt"/>
+                <a:ea typeface="+mn-ea"/>
+                <a:cs typeface="+mn-cs"/>
+              </a:defRPr>
+            </a:lvl1pPr>
+            <a:lvl2pPr marL="685800" indent="-228600" algn="l" defTabSz="914400" rtl="0" eaLnBrk="1" latinLnBrk="0" hangingPunct="1">
+              <a:lnSpc>
+                <a:spcPct val="90000"/>
+              </a:lnSpc>
+              <a:spcBef>
+                <a:spcPts val="500"/>
+              </a:spcBef>
+              <a:buFont typeface="Arial" panose="020B0604020202020204" pitchFamily="34" charset="0"/>
+              <a:buChar char="•"/>
+              <a:defRPr sz="2400" kern="1200">
+                <a:solidFill>
+                  <a:schemeClr val="tx1"/>
+                </a:solidFill>
+                <a:latin typeface="+mn-lt"/>
+                <a:ea typeface="+mn-ea"/>
+                <a:cs typeface="+mn-cs"/>
+              </a:defRPr>
+            </a:lvl2pPr>
+            <a:lvl3pPr marL="1143000" indent="-228600" algn="l" defTabSz="914400" rtl="0" eaLnBrk="1" latinLnBrk="0" hangingPunct="1">
+              <a:lnSpc>
+                <a:spcPct val="90000"/>
+              </a:lnSpc>
+              <a:spcBef>
+                <a:spcPts val="500"/>
+              </a:spcBef>
+              <a:buFont typeface="Arial" panose="020B0604020202020204" pitchFamily="34" charset="0"/>
+              <a:buChar char="•"/>
+              <a:defRPr sz="2000" kern="1200">
+                <a:solidFill>
+                  <a:schemeClr val="tx1"/>
+                </a:solidFill>
+                <a:latin typeface="+mn-lt"/>
+                <a:ea typeface="+mn-ea"/>
+                <a:cs typeface="+mn-cs"/>
+              </a:defRPr>
+            </a:lvl3pPr>
+            <a:lvl4pPr marL="1600200" indent="-228600" algn="l" defTabSz="914400" rtl="0" eaLnBrk="1" latinLnBrk="0" hangingPunct="1">
+              <a:lnSpc>
+                <a:spcPct val="90000"/>
+              </a:lnSpc>
+              <a:spcBef>
+                <a:spcPts val="500"/>
+              </a:spcBef>
+              <a:buFont typeface="Arial" panose="020B0604020202020204" pitchFamily="34" charset="0"/>
+              <a:buChar char="•"/>
+              <a:defRPr sz="1800" kern="1200">
+                <a:solidFill>
+                  <a:schemeClr val="tx1"/>
+                </a:solidFill>
+                <a:latin typeface="+mn-lt"/>
+                <a:ea typeface="+mn-ea"/>
+                <a:cs typeface="+mn-cs"/>
+              </a:defRPr>
+            </a:lvl4pPr>
+            <a:lvl5pPr marL="2057400" indent="-228600" algn="l" defTabSz="914400" rtl="0" eaLnBrk="1" latinLnBrk="0" hangingPunct="1">
+              <a:lnSpc>
+                <a:spcPct val="90000"/>
+              </a:lnSpc>
+              <a:spcBef>
+                <a:spcPts val="500"/>
+              </a:spcBef>
+              <a:buFont typeface="Arial" panose="020B0604020202020204" pitchFamily="34" charset="0"/>
+              <a:buChar char="•"/>
+              <a:defRPr sz="1800" kern="1200">
+                <a:solidFill>
+                  <a:schemeClr val="tx1"/>
+                </a:solidFill>
+                <a:latin typeface="+mn-lt"/>
+                <a:ea typeface="+mn-ea"/>
+                <a:cs typeface="+mn-cs"/>
+              </a:defRPr>
+            </a:lvl5pPr>
+            <a:lvl6pPr marL="2514600" indent="-228600" algn="l" defTabSz="914400" rtl="0" eaLnBrk="1" latinLnBrk="0" hangingPunct="1">
+              <a:lnSpc>
+                <a:spcPct val="90000"/>
+              </a:lnSpc>
+              <a:spcBef>
+                <a:spcPts val="500"/>
+              </a:spcBef>
+              <a:buFont typeface="Arial" panose="020B0604020202020204" pitchFamily="34" charset="0"/>
+              <a:buChar char="•"/>
+              <a:defRPr sz="1800" kern="1200">
+                <a:solidFill>
+                  <a:schemeClr val="tx1"/>
+                </a:solidFill>
+                <a:latin typeface="+mn-lt"/>
+                <a:ea typeface="+mn-ea"/>
+                <a:cs typeface="+mn-cs"/>
+              </a:defRPr>
+            </a:lvl6pPr>
+            <a:lvl7pPr marL="2971800" indent="-228600" algn="l" defTabSz="914400" rtl="0" eaLnBrk="1" latinLnBrk="0" hangingPunct="1">
+              <a:lnSpc>
+                <a:spcPct val="90000"/>
+              </a:lnSpc>
+              <a:spcBef>
+                <a:spcPts val="500"/>
+              </a:spcBef>
+              <a:buFont typeface="Arial" panose="020B0604020202020204" pitchFamily="34" charset="0"/>
+              <a:buChar char="•"/>
+              <a:defRPr sz="1800" kern="1200">
+                <a:solidFill>
+                  <a:schemeClr val="tx1"/>
+                </a:solidFill>
+                <a:latin typeface="+mn-lt"/>
+                <a:ea typeface="+mn-ea"/>
+                <a:cs typeface="+mn-cs"/>
+              </a:defRPr>
+            </a:lvl7pPr>
+            <a:lvl8pPr marL="3429000" indent="-228600" algn="l" defTabSz="914400" rtl="0" eaLnBrk="1" latinLnBrk="0" hangingPunct="1">
+              <a:lnSpc>
+                <a:spcPct val="90000"/>
+              </a:lnSpc>
+              <a:spcBef>
+                <a:spcPts val="500"/>
+              </a:spcBef>
+              <a:buFont typeface="Arial" panose="020B0604020202020204" pitchFamily="34" charset="0"/>
+              <a:buChar char="•"/>
+              <a:defRPr sz="1800" kern="1200">
+                <a:solidFill>
+                  <a:schemeClr val="tx1"/>
+                </a:solidFill>
+                <a:latin typeface="+mn-lt"/>
+                <a:ea typeface="+mn-ea"/>
+                <a:cs typeface="+mn-cs"/>
+              </a:defRPr>
+            </a:lvl8pPr>
+            <a:lvl9pPr marL="3886200" indent="-228600" algn="l" defTabSz="914400" rtl="0" eaLnBrk="1" latinLnBrk="0" hangingPunct="1">
+              <a:lnSpc>
+                <a:spcPct val="90000"/>
+              </a:lnSpc>
+              <a:spcBef>
+                <a:spcPts val="500"/>
+              </a:spcBef>
+              <a:buFont typeface="Arial" panose="020B0604020202020204" pitchFamily="34" charset="0"/>
+              <a:buChar char="•"/>
+              <a:defRPr sz="1800" kern="1200">
+                <a:solidFill>
+                  <a:schemeClr val="tx1"/>
+                </a:solidFill>
+                <a:latin typeface="+mn-lt"/>
+                <a:ea typeface="+mn-ea"/>
+                <a:cs typeface="+mn-cs"/>
+              </a:defRPr>
+            </a:lvl9pPr>
+          </a:lstStyle>
+          <a:p>
+            <a:pPr marL="0" indent="0">
+              <a:buNone/>
+            </a:pPr>
+            <a:r>
+              <a:rPr lang="ru-RU" sz="2400" i="1" dirty="0"/>
+              <a:t>Например: запрос «Сгенерируй 1 простую короткую фразу из слов: </a:t>
+            </a:r>
+            <a:r>
+              <a:rPr lang="en-US" sz="2400" i="1" dirty="0"/>
+              <a:t>[</a:t>
+            </a:r>
+            <a:r>
+              <a:rPr lang="ru-RU" sz="2400" i="1" dirty="0"/>
+              <a:t>энергия, чистый, безопасный, источник]»</a:t>
+            </a:r>
+          </a:p>
+          <a:p>
+            <a:pPr marL="0" indent="0">
+              <a:buNone/>
+            </a:pPr>
+            <a:r>
+              <a:rPr lang="ru-RU" sz="2400" i="1" dirty="0"/>
+              <a:t>Возвращает предложение: «Безопасный источник чистой энергии».</a:t>
+            </a:r>
           </a:p>
         </p:txBody>
       </p:sp>
@@ -5417,6 +5772,142 @@
     <p:extLst>
       <p:ext uri="{BB962C8B-B14F-4D97-AF65-F5344CB8AC3E}">
         <p14:creationId xmlns:p14="http://schemas.microsoft.com/office/powerpoint/2010/main" val="306257890"/>
+      </p:ext>
+    </p:extLst>
+  </p:cSld>
+  <p:clrMapOvr>
+    <a:masterClrMapping/>
+  </p:clrMapOvr>
+</p:sld>
+</file>
+
+<file path=ppt/slides/slide7.xml><?xml version="1.0" encoding="utf-8"?>
+<p:sld xmlns:a="http://schemas.openxmlformats.org/drawingml/2006/main" xmlns:r="http://schemas.openxmlformats.org/officeDocument/2006/relationships" xmlns:p="http://schemas.openxmlformats.org/presentationml/2006/main">
+  <p:cSld>
+    <p:spTree>
+      <p:nvGrpSpPr>
+        <p:cNvPr id="1" name=""/>
+        <p:cNvGrpSpPr/>
+        <p:nvPr/>
+      </p:nvGrpSpPr>
+      <p:grpSpPr>
+        <a:xfrm>
+          <a:off x="0" y="0"/>
+          <a:ext cx="0" cy="0"/>
+          <a:chOff x="0" y="0"/>
+          <a:chExt cx="0" cy="0"/>
+        </a:xfrm>
+      </p:grpSpPr>
+      <p:sp>
+        <p:nvSpPr>
+          <p:cNvPr id="2" name="Заголовок 1">
+            <a:extLst>
+              <a:ext uri="{FF2B5EF4-FFF2-40B4-BE49-F238E27FC236}">
+                <a16:creationId xmlns:a16="http://schemas.microsoft.com/office/drawing/2014/main" id="{31F177D0-B443-411F-DBF1-9C372E94EC34}"/>
+              </a:ext>
+            </a:extLst>
+          </p:cNvPr>
+          <p:cNvSpPr>
+            <a:spLocks noGrp="1"/>
+          </p:cNvSpPr>
+          <p:nvPr>
+            <p:ph type="title"/>
+          </p:nvPr>
+        </p:nvSpPr>
+        <p:spPr/>
+        <p:txBody>
+          <a:bodyPr/>
+          <a:lstStyle/>
+          <a:p>
+            <a:pPr marL="0" indent="0">
+              <a:buFont typeface="Arial" panose="020B0604020202020204" pitchFamily="34" charset="0"/>
+              <a:buNone/>
+            </a:pPr>
+            <a:r>
+              <a:rPr lang="ru-RU" dirty="0"/>
+              <a:t>Итоговая реализация</a:t>
+            </a:r>
+          </a:p>
+        </p:txBody>
+      </p:sp>
+      <p:sp>
+        <p:nvSpPr>
+          <p:cNvPr id="3" name="Объект 2">
+            <a:extLst>
+              <a:ext uri="{FF2B5EF4-FFF2-40B4-BE49-F238E27FC236}">
+                <a16:creationId xmlns:a16="http://schemas.microsoft.com/office/drawing/2014/main" id="{F7C1E37C-CD06-9558-6B62-6BBD54323778}"/>
+              </a:ext>
+            </a:extLst>
+          </p:cNvPr>
+          <p:cNvSpPr>
+            <a:spLocks noGrp="1"/>
+          </p:cNvSpPr>
+          <p:nvPr>
+            <p:ph idx="1"/>
+          </p:nvPr>
+        </p:nvSpPr>
+        <p:spPr>
+          <a:xfrm>
+            <a:off x="838200" y="1690689"/>
+            <a:ext cx="10515600" cy="3306428"/>
+          </a:xfrm>
+        </p:spPr>
+        <p:txBody>
+          <a:bodyPr>
+            <a:normAutofit/>
+          </a:bodyPr>
+          <a:lstStyle/>
+          <a:p>
+            <a:pPr marL="0" indent="0">
+              <a:buNone/>
+            </a:pPr>
+            <a:r>
+              <a:rPr lang="en-US" sz="2400" dirty="0"/>
+              <a:t>Telegram-bot</a:t>
+            </a:r>
+            <a:r>
+              <a:rPr lang="ru-RU" sz="2400" dirty="0"/>
+              <a:t>, который принимает на вход </a:t>
+            </a:r>
+            <a:r>
+              <a:rPr lang="en-US" sz="2400" dirty="0"/>
+              <a:t>.xlsx </a:t>
+            </a:r>
+            <a:r>
+              <a:rPr lang="ru-RU" sz="2400" dirty="0"/>
+              <a:t>и может выдавать разный результат в зависимости от желания пользователя:</a:t>
+            </a:r>
+          </a:p>
+          <a:p>
+            <a:pPr>
+              <a:buFontTx/>
+              <a:buChar char="-"/>
+            </a:pPr>
+            <a:r>
+              <a:rPr lang="ru-RU" sz="2400" i="1" dirty="0"/>
+              <a:t>например, к исходному файлу к каждому ответу добавить назначенный </a:t>
+            </a:r>
+            <a:r>
+              <a:rPr lang="en-US" sz="2400" i="1" dirty="0"/>
+              <a:t>topic</a:t>
+            </a:r>
+          </a:p>
+          <a:p>
+            <a:pPr>
+              <a:buFontTx/>
+              <a:buChar char="-"/>
+            </a:pPr>
+            <a:r>
+              <a:rPr lang="ru-RU" sz="2400" i="1" dirty="0"/>
+              <a:t>графики</a:t>
+            </a:r>
+          </a:p>
+        </p:txBody>
+      </p:sp>
+    </p:spTree>
+    <p:extLst>
+      <p:ext uri="{BB962C8B-B14F-4D97-AF65-F5344CB8AC3E}">
+        <p14:creationId xmlns:p14="http://schemas.microsoft.com/office/powerpoint/2010/main" val="4023740495"/>
       </p:ext>
     </p:extLst>
   </p:cSld>

--- a/Хакатон «Шаг в карьеру.pptx
+++ b/Хакатон «Шаг в карьеру.pptx
@@ -12,6 +12,7 @@
     <p:sldId id="259" r:id="rId6"/>
     <p:sldId id="260" r:id="rId7"/>
     <p:sldId id="263" r:id="rId8"/>
+    <p:sldId id="264" r:id="rId9"/>
   </p:sldIdLst>
   <p:sldSz cx="12192000" cy="6858000"/>
   <p:notesSz cx="6858000" cy="9144000"/>
@@ -5849,12 +5850,12 @@
         <p:spPr>
           <a:xfrm>
             <a:off x="838200" y="1690689"/>
-            <a:ext cx="10515600" cy="3306428"/>
+            <a:ext cx="5494506" cy="3306428"/>
           </a:xfrm>
         </p:spPr>
         <p:txBody>
           <a:bodyPr>
-            <a:normAutofit/>
+            <a:normAutofit fontScale="92500" lnSpcReduction="10000"/>
           </a:bodyPr>
           <a:lstStyle/>
           <a:p>
@@ -5899,15 +5900,300 @@
             </a:pPr>
             <a:r>
               <a:rPr lang="ru-RU" sz="2400" i="1" dirty="0"/>
-              <a:t>графики</a:t>
-            </a:r>
-          </a:p>
-        </p:txBody>
-      </p:sp>
+              <a:t>Графики</a:t>
+            </a:r>
+          </a:p>
+          <a:p>
+            <a:pPr>
+              <a:buFontTx/>
+              <a:buChar char="-"/>
+            </a:pPr>
+            <a:endParaRPr lang="ru-RU" sz="2400" i="1" dirty="0"/>
+          </a:p>
+          <a:p>
+            <a:pPr marL="0" indent="0">
+              <a:buNone/>
+            </a:pPr>
+            <a:r>
+              <a:rPr lang="en-US" sz="2400" i="1" dirty="0"/>
+              <a:t>P.s. </a:t>
+            </a:r>
+            <a:r>
+              <a:rPr lang="ru-RU" sz="2400" i="1" dirty="0"/>
+              <a:t>На примере </a:t>
+            </a:r>
+            <a:r>
+              <a:rPr lang="en-US" sz="2400" i="1" dirty="0"/>
+              <a:t>cloud </a:t>
+            </a:r>
+            <a:r>
+              <a:rPr lang="ru-RU" sz="2400" i="1" dirty="0"/>
+              <a:t>без </a:t>
+            </a:r>
+            <a:r>
+              <a:rPr lang="en-US" sz="2400" i="1" dirty="0"/>
+              <a:t>text generation</a:t>
+            </a:r>
+            <a:r>
+              <a:rPr lang="ru-RU" sz="2400" i="1" dirty="0"/>
+              <a:t>, а просто набором тегов через _ для каждого топика (кластера).</a:t>
+            </a:r>
+          </a:p>
+        </p:txBody>
+      </p:sp>
+      <p:pic>
+        <p:nvPicPr>
+          <p:cNvPr id="5" name="Рисунок 4">
+            <a:extLst>
+              <a:ext uri="{FF2B5EF4-FFF2-40B4-BE49-F238E27FC236}">
+                <a16:creationId xmlns:a16="http://schemas.microsoft.com/office/drawing/2014/main" id="{7C030012-5FB4-DB38-804A-5CE5F19F5230}"/>
+              </a:ext>
+            </a:extLst>
+          </p:cNvPr>
+          <p:cNvPicPr>
+            <a:picLocks noChangeAspect="1"/>
+          </p:cNvPicPr>
+          <p:nvPr/>
+        </p:nvPicPr>
+        <p:blipFill>
+          <a:blip r:embed="rId2"/>
+          <a:stretch>
+            <a:fillRect/>
+          </a:stretch>
+        </p:blipFill>
+        <p:spPr>
+          <a:xfrm>
+            <a:off x="6332706" y="1535046"/>
+            <a:ext cx="4141964" cy="4879696"/>
+          </a:xfrm>
+          <a:prstGeom prst="rect">
+            <a:avLst/>
+          </a:prstGeom>
+        </p:spPr>
+      </p:pic>
     </p:spTree>
     <p:extLst>
       <p:ext uri="{BB962C8B-B14F-4D97-AF65-F5344CB8AC3E}">
         <p14:creationId xmlns:p14="http://schemas.microsoft.com/office/powerpoint/2010/main" val="4023740495"/>
+      </p:ext>
+    </p:extLst>
+  </p:cSld>
+  <p:clrMapOvr>
+    <a:masterClrMapping/>
+  </p:clrMapOvr>
+</p:sld>
+</file>
+
+<file path=ppt/slides/slide8.xml><?xml version="1.0" encoding="utf-8"?>
+<p:sld xmlns:a="http://schemas.openxmlformats.org/drawingml/2006/main" xmlns:r="http://schemas.openxmlformats.org/officeDocument/2006/relationships" xmlns:p="http://schemas.openxmlformats.org/presentationml/2006/main">
+  <p:cSld>
+    <p:spTree>
+      <p:nvGrpSpPr>
+        <p:cNvPr id="1" name=""/>
+        <p:cNvGrpSpPr/>
+        <p:nvPr/>
+      </p:nvGrpSpPr>
+      <p:grpSpPr>
+        <a:xfrm>
+          <a:off x="0" y="0"/>
+          <a:ext cx="0" cy="0"/>
+          <a:chOff x="0" y="0"/>
+          <a:chExt cx="0" cy="0"/>
+        </a:xfrm>
+      </p:grpSpPr>
+      <p:sp>
+        <p:nvSpPr>
+          <p:cNvPr id="2" name="Заголовок 1">
+            <a:extLst>
+              <a:ext uri="{FF2B5EF4-FFF2-40B4-BE49-F238E27FC236}">
+                <a16:creationId xmlns:a16="http://schemas.microsoft.com/office/drawing/2014/main" id="{31F177D0-B443-411F-DBF1-9C372E94EC34}"/>
+              </a:ext>
+            </a:extLst>
+          </p:cNvPr>
+          <p:cNvSpPr>
+            <a:spLocks noGrp="1"/>
+          </p:cNvSpPr>
+          <p:nvPr>
+            <p:ph type="title"/>
+          </p:nvPr>
+        </p:nvSpPr>
+        <p:spPr/>
+        <p:txBody>
+          <a:bodyPr/>
+          <a:lstStyle/>
+          <a:p>
+            <a:pPr marL="0" indent="0">
+              <a:buFont typeface="Arial" panose="020B0604020202020204" pitchFamily="34" charset="0"/>
+              <a:buNone/>
+            </a:pPr>
+            <a:r>
+              <a:rPr lang="ru-RU" dirty="0"/>
+              <a:t>Что можно дальше доработать и улучшить</a:t>
+            </a:r>
+          </a:p>
+        </p:txBody>
+      </p:sp>
+      <p:sp>
+        <p:nvSpPr>
+          <p:cNvPr id="3" name="Объект 2">
+            <a:extLst>
+              <a:ext uri="{FF2B5EF4-FFF2-40B4-BE49-F238E27FC236}">
+                <a16:creationId xmlns:a16="http://schemas.microsoft.com/office/drawing/2014/main" id="{F7C1E37C-CD06-9558-6B62-6BBD54323778}"/>
+              </a:ext>
+            </a:extLst>
+          </p:cNvPr>
+          <p:cNvSpPr>
+            <a:spLocks noGrp="1"/>
+          </p:cNvSpPr>
+          <p:nvPr>
+            <p:ph idx="1"/>
+          </p:nvPr>
+        </p:nvSpPr>
+        <p:spPr>
+          <a:xfrm>
+            <a:off x="838200" y="1690689"/>
+            <a:ext cx="10515600" cy="3306428"/>
+          </a:xfrm>
+        </p:spPr>
+        <p:txBody>
+          <a:bodyPr>
+            <a:normAutofit fontScale="85000" lnSpcReduction="10000"/>
+          </a:bodyPr>
+          <a:lstStyle/>
+          <a:p>
+            <a:pPr marL="0" indent="0">
+              <a:buNone/>
+            </a:pPr>
+            <a:r>
+              <a:rPr lang="ru-RU" sz="2400" dirty="0"/>
+              <a:t>Для получения более качественного результата необходимо провести более тщательное исследование и эксперименты с </a:t>
+            </a:r>
+            <a:r>
+              <a:rPr lang="ru-RU" sz="2400" dirty="0" err="1"/>
+              <a:t>гиперпараметрами</a:t>
+            </a:r>
+            <a:r>
+              <a:rPr lang="ru-RU" sz="2400" dirty="0"/>
+              <a:t> </a:t>
+            </a:r>
+            <a:r>
+              <a:rPr lang="en-US" sz="2400" dirty="0" err="1"/>
+              <a:t>BERTopic</a:t>
+            </a:r>
+            <a:r>
+              <a:rPr lang="en-US" sz="2400" dirty="0"/>
+              <a:t>:</a:t>
+            </a:r>
+          </a:p>
+          <a:p>
+            <a:pPr>
+              <a:buFontTx/>
+              <a:buChar char="-"/>
+            </a:pPr>
+            <a:r>
+              <a:rPr lang="ru-RU" sz="2400" i="1" dirty="0"/>
+              <a:t>Разные алгоритмы кластеризации (с подбором оптимального количества соседей)</a:t>
+            </a:r>
+          </a:p>
+          <a:p>
+            <a:pPr>
+              <a:buFontTx/>
+              <a:buChar char="-"/>
+            </a:pPr>
+            <a:r>
+              <a:rPr lang="ru-RU" sz="2400" i="1" dirty="0"/>
+              <a:t>Разные модели для создания </a:t>
+            </a:r>
+            <a:r>
+              <a:rPr lang="ru-RU" sz="2400" i="1" dirty="0" err="1"/>
+              <a:t>эмбедингов</a:t>
+            </a:r>
+            <a:r>
+              <a:rPr lang="ru-RU" sz="2400" i="1" dirty="0"/>
+              <a:t> (хотя </a:t>
+            </a:r>
+            <a:r>
+              <a:rPr lang="en-US" sz="2400" i="1" dirty="0"/>
+              <a:t>rubert-tiny2</a:t>
+            </a:r>
+            <a:r>
+              <a:rPr lang="ru-RU" sz="2400" i="1" dirty="0"/>
+              <a:t> достаточно хорошая </a:t>
+            </a:r>
+            <a:r>
+              <a:rPr lang="ru-RU" sz="2400" i="1" dirty="0" err="1"/>
+              <a:t>предобученная</a:t>
+            </a:r>
+            <a:r>
+              <a:rPr lang="ru-RU" sz="2400" i="1" dirty="0"/>
+              <a:t> модель на большом количестве русского текста)</a:t>
+            </a:r>
+          </a:p>
+          <a:p>
+            <a:pPr>
+              <a:buFontTx/>
+              <a:buChar char="-"/>
+            </a:pPr>
+            <a:r>
+              <a:rPr lang="ru-RU" sz="2400" i="1" dirty="0"/>
+              <a:t>Разные алгоритмы снижения размерности (в данном решении успели только </a:t>
+            </a:r>
+            <a:r>
+              <a:rPr lang="en-US" sz="2400" i="1" dirty="0"/>
+              <a:t>UMAP): PCA, t-SNE.</a:t>
+            </a:r>
+          </a:p>
+          <a:p>
+            <a:pPr>
+              <a:buFontTx/>
+              <a:buChar char="-"/>
+            </a:pPr>
+            <a:r>
+              <a:rPr lang="ru-RU" sz="2400" i="1" dirty="0"/>
+              <a:t>Почистить код и сделать его более презентабельным…</a:t>
+            </a:r>
+          </a:p>
+          <a:p>
+            <a:pPr>
+              <a:buFontTx/>
+              <a:buChar char="-"/>
+            </a:pPr>
+            <a:r>
+              <a:rPr lang="ru-RU" sz="2400" i="1" dirty="0"/>
+              <a:t>Загрузить бот на сервер (пока он только локально запускается и работает)</a:t>
+            </a:r>
+          </a:p>
+          <a:p>
+            <a:pPr>
+              <a:buFontTx/>
+              <a:buChar char="-"/>
+            </a:pPr>
+            <a:r>
+              <a:rPr lang="ru-RU" sz="2400" i="1" dirty="0"/>
+              <a:t>Добавить возможность доработки </a:t>
+            </a:r>
+            <a:r>
+              <a:rPr lang="ru-RU" sz="2400" i="1" dirty="0" err="1"/>
+              <a:t>датасет</a:t>
+            </a:r>
+            <a:r>
+              <a:rPr lang="ru-RU" sz="2400" i="1" dirty="0"/>
+              <a:t> от пользователя</a:t>
+            </a:r>
+          </a:p>
+          <a:p>
+            <a:pPr>
+              <a:buFontTx/>
+              <a:buChar char="-"/>
+            </a:pPr>
+            <a:endParaRPr lang="ru-RU" sz="2400" i="1" dirty="0"/>
+          </a:p>
+        </p:txBody>
+      </p:sp>
+    </p:spTree>
+    <p:extLst>
+      <p:ext uri="{BB962C8B-B14F-4D97-AF65-F5344CB8AC3E}">
+        <p14:creationId xmlns:p14="http://schemas.microsoft.com/office/powerpoint/2010/main" val="4181280722"/>
       </p:ext>
     </p:extLst>
   </p:cSld>
